--- a/oral_projet/revue_3/diaporama_revue_3_willy.pptx
+++ b/oral_projet/revue_3/diaporama_revue_3_willy.pptx
@@ -5393,7 +5393,7 @@
           <a:p>
             <a:r>
               <a:rPr lang="fr-FR" sz="2400" dirty="0"/>
-              <a:t>• Plan de câblage </a:t>
+              <a:t>• Plan du câblage </a:t>
             </a:r>
           </a:p>
           <a:p>
@@ -7919,8 +7919,8 @@
         </p:blipFill>
         <p:spPr>
           <a:xfrm>
-            <a:off x="1186184" y="3240291"/>
-            <a:ext cx="3978443" cy="1885616"/>
+            <a:off x="592237" y="3321286"/>
+            <a:ext cx="3302581" cy="1565286"/>
           </a:xfrm>
           <a:prstGeom prst="rect">
             <a:avLst/>
@@ -7955,8 +7955,8 @@
         </p:blipFill>
         <p:spPr>
           <a:xfrm>
-            <a:off x="7842211" y="2563682"/>
-            <a:ext cx="2714625" cy="2562225"/>
+            <a:off x="9092135" y="2982002"/>
+            <a:ext cx="2019453" cy="1906080"/>
           </a:xfrm>
           <a:prstGeom prst="rect">
             <a:avLst/>
@@ -7977,8 +7977,43 @@
         </p:nvSpPr>
         <p:spPr>
           <a:xfrm>
-            <a:off x="1429890" y="5393896"/>
-            <a:ext cx="3939733" cy="369332"/>
+            <a:off x="574994" y="4886572"/>
+            <a:ext cx="4011420" cy="369332"/>
+          </a:xfrm>
+          <a:prstGeom prst="rect">
+            <a:avLst/>
+          </a:prstGeom>
+          <a:noFill/>
+        </p:spPr>
+        <p:txBody>
+          <a:bodyPr wrap="square" rtlCol="0">
+            <a:spAutoFit/>
+          </a:bodyPr>
+          <a:lstStyle/>
+          <a:p>
+            <a:r>
+              <a:rPr lang="fr-FR" dirty="0"/>
+              <a:t>Mise en place d’un diagramme de Gantt</a:t>
+            </a:r>
+          </a:p>
+        </p:txBody>
+      </p:sp>
+      <p:sp>
+        <p:nvSpPr>
+          <p:cNvPr id="38" name="ZoneTexte 37">
+            <a:extLst>
+              <a:ext uri="{FF2B5EF4-FFF2-40B4-BE49-F238E27FC236}">
+                <a16:creationId xmlns:a16="http://schemas.microsoft.com/office/drawing/2014/main" id="{87BC5E07-C4BB-46C7-ABEA-EF00C9FDAD19}"/>
+              </a:ext>
+            </a:extLst>
+          </p:cNvPr>
+          <p:cNvSpPr txBox="1"/>
+          <p:nvPr/>
+        </p:nvSpPr>
+        <p:spPr>
+          <a:xfrm>
+            <a:off x="9295774" y="4886572"/>
+            <a:ext cx="1612173" cy="369332"/>
           </a:xfrm>
           <a:prstGeom prst="rect">
             <a:avLst/>
@@ -7993,17 +8028,53 @@
           <a:p>
             <a:r>
               <a:rPr lang="fr-FR" dirty="0"/>
-              <a:t>Mise en place d’un diagramme de Gantt</a:t>
+              <a:t>Suivi personnel</a:t>
             </a:r>
           </a:p>
         </p:txBody>
       </p:sp>
+      <p:pic>
+        <p:nvPicPr>
+          <p:cNvPr id="13" name="Image 12">
+            <a:extLst>
+              <a:ext uri="{FF2B5EF4-FFF2-40B4-BE49-F238E27FC236}">
+                <a16:creationId xmlns:a16="http://schemas.microsoft.com/office/drawing/2014/main" id="{30D56DD7-7EF8-40FD-A979-A36349480447}"/>
+              </a:ext>
+            </a:extLst>
+          </p:cNvPr>
+          <p:cNvPicPr>
+            <a:picLocks noChangeAspect="1"/>
+          </p:cNvPicPr>
+          <p:nvPr/>
+        </p:nvPicPr>
+        <p:blipFill>
+          <a:blip r:embed="rId6">
+            <a:extLst>
+              <a:ext uri="{28A0092B-C50C-407E-A947-70E740481C1C}">
+                <a14:useLocalDpi xmlns:a14="http://schemas.microsoft.com/office/drawing/2010/main" val="0"/>
+              </a:ext>
+            </a:extLst>
+          </a:blip>
+          <a:stretch>
+            <a:fillRect/>
+          </a:stretch>
+        </p:blipFill>
+        <p:spPr>
+          <a:xfrm>
+            <a:off x="5617176" y="3133972"/>
+            <a:ext cx="1752600" cy="1752600"/>
+          </a:xfrm>
+          <a:prstGeom prst="rect">
+            <a:avLst/>
+          </a:prstGeom>
+        </p:spPr>
+      </p:pic>
       <p:sp>
         <p:nvSpPr>
-          <p:cNvPr id="38" name="ZoneTexte 37">
-            <a:extLst>
-              <a:ext uri="{FF2B5EF4-FFF2-40B4-BE49-F238E27FC236}">
-                <a16:creationId xmlns:a16="http://schemas.microsoft.com/office/drawing/2014/main" id="{87BC5E07-C4BB-46C7-ABEA-EF00C9FDAD19}"/>
+          <p:cNvPr id="39" name="ZoneTexte 38">
+            <a:extLst>
+              <a:ext uri="{FF2B5EF4-FFF2-40B4-BE49-F238E27FC236}">
+                <a16:creationId xmlns:a16="http://schemas.microsoft.com/office/drawing/2014/main" id="{534170C8-1EF7-4062-9BB9-EA7981F73622}"/>
               </a:ext>
             </a:extLst>
           </p:cNvPr>
@@ -8012,8 +8083,8 @@
         </p:nvSpPr>
         <p:spPr>
           <a:xfrm>
-            <a:off x="8393436" y="5393896"/>
-            <a:ext cx="1612173" cy="369332"/>
+            <a:off x="5669468" y="4891276"/>
+            <a:ext cx="1648015" cy="369332"/>
           </a:xfrm>
           <a:prstGeom prst="rect">
             <a:avLst/>
@@ -8027,8 +8098,12 @@
           <a:lstStyle/>
           <a:p>
             <a:r>
+              <a:rPr lang="fr-FR" dirty="0" err="1"/>
+              <a:t>Github</a:t>
+            </a:r>
+            <a:r>
               <a:rPr lang="fr-FR" dirty="0"/>
-              <a:t>Suivi personnel</a:t>
+              <a:t> Desktop</a:t>
             </a:r>
           </a:p>
         </p:txBody>

--- a/oral_projet/revue_3/diaporama_revue_3_willy.pptx
+++ b/oral_projet/revue_3/diaporama_revue_3_willy.pptx
@@ -5,7 +5,7 @@
     <p:sldMasterId id="2147483648" r:id="rId1"/>
   </p:sldMasterIdLst>
   <p:notesMasterIdLst>
-    <p:notesMasterId r:id="rId11"/>
+    <p:notesMasterId r:id="rId12"/>
   </p:notesMasterIdLst>
   <p:sldIdLst>
     <p:sldId id="256" r:id="rId2"/>
@@ -15,8 +15,9 @@
     <p:sldId id="262" r:id="rId6"/>
     <p:sldId id="263" r:id="rId7"/>
     <p:sldId id="264" r:id="rId8"/>
-    <p:sldId id="265" r:id="rId9"/>
-    <p:sldId id="266" r:id="rId10"/>
+    <p:sldId id="267" r:id="rId9"/>
+    <p:sldId id="265" r:id="rId10"/>
+    <p:sldId id="266" r:id="rId11"/>
   </p:sldIdLst>
   <p:sldSz cx="12192000" cy="6858000"/>
   <p:notesSz cx="6858000" cy="9144000"/>
@@ -4530,6 +4531,536 @@
 </p:sld>
 </file>
 
+<file path=ppt/slides/slide10.xml><?xml version="1.0" encoding="utf-8"?>
+<p:sld xmlns:a="http://schemas.openxmlformats.org/drawingml/2006/main" xmlns:r="http://schemas.openxmlformats.org/officeDocument/2006/relationships" xmlns:p="http://schemas.openxmlformats.org/presentationml/2006/main">
+  <p:cSld>
+    <p:spTree>
+      <p:nvGrpSpPr>
+        <p:cNvPr id="1" name=""/>
+        <p:cNvGrpSpPr/>
+        <p:nvPr/>
+      </p:nvGrpSpPr>
+      <p:grpSpPr>
+        <a:xfrm>
+          <a:off x="0" y="0"/>
+          <a:ext cx="0" cy="0"/>
+          <a:chOff x="0" y="0"/>
+          <a:chExt cx="0" cy="0"/>
+        </a:xfrm>
+      </p:grpSpPr>
+      <p:pic>
+        <p:nvPicPr>
+          <p:cNvPr id="8" name="Image 7">
+            <a:extLst>
+              <a:ext uri="{FF2B5EF4-FFF2-40B4-BE49-F238E27FC236}">
+                <a16:creationId xmlns:a16="http://schemas.microsoft.com/office/drawing/2014/main" id="{2BB825C5-31DA-4A56-85EA-536DBF510A31}"/>
+              </a:ext>
+            </a:extLst>
+          </p:cNvPr>
+          <p:cNvPicPr>
+            <a:picLocks noChangeAspect="1"/>
+          </p:cNvPicPr>
+          <p:nvPr/>
+        </p:nvPicPr>
+        <p:blipFill>
+          <a:blip r:embed="rId2">
+            <a:extLst>
+              <a:ext uri="{28A0092B-C50C-407E-A947-70E740481C1C}">
+                <a14:useLocalDpi xmlns:a14="http://schemas.microsoft.com/office/drawing/2010/main" val="0"/>
+              </a:ext>
+            </a:extLst>
+          </a:blip>
+          <a:stretch>
+            <a:fillRect/>
+          </a:stretch>
+        </p:blipFill>
+        <p:spPr>
+          <a:xfrm>
+            <a:off x="1068751" y="66457"/>
+            <a:ext cx="1259497" cy="776690"/>
+          </a:xfrm>
+          <a:prstGeom prst="rect">
+            <a:avLst/>
+          </a:prstGeom>
+        </p:spPr>
+      </p:pic>
+      <p:pic>
+        <p:nvPicPr>
+          <p:cNvPr id="10" name="Image 9">
+            <a:extLst>
+              <a:ext uri="{FF2B5EF4-FFF2-40B4-BE49-F238E27FC236}">
+                <a16:creationId xmlns:a16="http://schemas.microsoft.com/office/drawing/2014/main" id="{8EE7436F-49F2-41E0-93E4-D247B4705294}"/>
+              </a:ext>
+            </a:extLst>
+          </p:cNvPr>
+          <p:cNvPicPr>
+            <a:picLocks noChangeAspect="1"/>
+          </p:cNvPicPr>
+          <p:nvPr/>
+        </p:nvPicPr>
+        <p:blipFill>
+          <a:blip r:embed="rId3">
+            <a:extLst>
+              <a:ext uri="{28A0092B-C50C-407E-A947-70E740481C1C}">
+                <a14:useLocalDpi xmlns:a14="http://schemas.microsoft.com/office/drawing/2010/main" val="0"/>
+              </a:ext>
+            </a:extLst>
+          </a:blip>
+          <a:stretch>
+            <a:fillRect/>
+          </a:stretch>
+        </p:blipFill>
+        <p:spPr>
+          <a:xfrm>
+            <a:off x="9681085" y="238153"/>
+            <a:ext cx="1802101" cy="569807"/>
+          </a:xfrm>
+          <a:prstGeom prst="rect">
+            <a:avLst/>
+          </a:prstGeom>
+        </p:spPr>
+      </p:pic>
+      <p:cxnSp>
+        <p:nvCxnSpPr>
+          <p:cNvPr id="16" name="Connecteur droit 15">
+            <a:extLst>
+              <a:ext uri="{FF2B5EF4-FFF2-40B4-BE49-F238E27FC236}">
+                <a16:creationId xmlns:a16="http://schemas.microsoft.com/office/drawing/2014/main" id="{7319284A-BD6F-4A96-8E2B-E0A4B52E53C6}"/>
+              </a:ext>
+            </a:extLst>
+          </p:cNvPr>
+          <p:cNvCxnSpPr>
+            <a:cxnSpLocks/>
+          </p:cNvCxnSpPr>
+          <p:nvPr/>
+        </p:nvCxnSpPr>
+        <p:spPr>
+          <a:xfrm flipV="1">
+            <a:off x="0" y="454803"/>
+            <a:ext cx="738231" cy="1798"/>
+          </a:xfrm>
+          <a:prstGeom prst="line">
+            <a:avLst/>
+          </a:prstGeom>
+        </p:spPr>
+        <p:style>
+          <a:lnRef idx="3">
+            <a:schemeClr val="dk1"/>
+          </a:lnRef>
+          <a:fillRef idx="0">
+            <a:schemeClr val="dk1"/>
+          </a:fillRef>
+          <a:effectRef idx="2">
+            <a:schemeClr val="dk1"/>
+          </a:effectRef>
+          <a:fontRef idx="minor">
+            <a:schemeClr val="tx1"/>
+          </a:fontRef>
+        </p:style>
+      </p:cxnSp>
+      <p:cxnSp>
+        <p:nvCxnSpPr>
+          <p:cNvPr id="20" name="Connecteur droit 19">
+            <a:extLst>
+              <a:ext uri="{FF2B5EF4-FFF2-40B4-BE49-F238E27FC236}">
+                <a16:creationId xmlns:a16="http://schemas.microsoft.com/office/drawing/2014/main" id="{08874CF7-F149-4C81-B61E-74E18342BA8A}"/>
+              </a:ext>
+            </a:extLst>
+          </p:cNvPr>
+          <p:cNvCxnSpPr>
+            <a:cxnSpLocks/>
+          </p:cNvCxnSpPr>
+          <p:nvPr/>
+        </p:nvCxnSpPr>
+        <p:spPr>
+          <a:xfrm>
+            <a:off x="2573222" y="454803"/>
+            <a:ext cx="6829482" cy="10398"/>
+          </a:xfrm>
+          <a:prstGeom prst="line">
+            <a:avLst/>
+          </a:prstGeom>
+        </p:spPr>
+        <p:style>
+          <a:lnRef idx="3">
+            <a:schemeClr val="dk1"/>
+          </a:lnRef>
+          <a:fillRef idx="0">
+            <a:schemeClr val="dk1"/>
+          </a:fillRef>
+          <a:effectRef idx="2">
+            <a:schemeClr val="dk1"/>
+          </a:effectRef>
+          <a:fontRef idx="minor">
+            <a:schemeClr val="tx1"/>
+          </a:fontRef>
+        </p:style>
+      </p:cxnSp>
+      <p:cxnSp>
+        <p:nvCxnSpPr>
+          <p:cNvPr id="26" name="Connecteur droit 25">
+            <a:extLst>
+              <a:ext uri="{FF2B5EF4-FFF2-40B4-BE49-F238E27FC236}">
+                <a16:creationId xmlns:a16="http://schemas.microsoft.com/office/drawing/2014/main" id="{BB3B35CC-057B-48C1-880F-3306A6559175}"/>
+              </a:ext>
+            </a:extLst>
+          </p:cNvPr>
+          <p:cNvCxnSpPr>
+            <a:cxnSpLocks/>
+          </p:cNvCxnSpPr>
+          <p:nvPr/>
+        </p:nvCxnSpPr>
+        <p:spPr>
+          <a:xfrm>
+            <a:off x="738231" y="454803"/>
+            <a:ext cx="344203" cy="484764"/>
+          </a:xfrm>
+          <a:prstGeom prst="line">
+            <a:avLst/>
+          </a:prstGeom>
+        </p:spPr>
+        <p:style>
+          <a:lnRef idx="3">
+            <a:schemeClr val="dk1"/>
+          </a:lnRef>
+          <a:fillRef idx="0">
+            <a:schemeClr val="dk1"/>
+          </a:fillRef>
+          <a:effectRef idx="2">
+            <a:schemeClr val="dk1"/>
+          </a:effectRef>
+          <a:fontRef idx="minor">
+            <a:schemeClr val="tx1"/>
+          </a:fontRef>
+        </p:style>
+      </p:cxnSp>
+      <p:cxnSp>
+        <p:nvCxnSpPr>
+          <p:cNvPr id="32" name="Connecteur droit 31">
+            <a:extLst>
+              <a:ext uri="{FF2B5EF4-FFF2-40B4-BE49-F238E27FC236}">
+                <a16:creationId xmlns:a16="http://schemas.microsoft.com/office/drawing/2014/main" id="{4AD96496-1EB6-4E48-9BB2-5C255495C686}"/>
+              </a:ext>
+            </a:extLst>
+          </p:cNvPr>
+          <p:cNvCxnSpPr>
+            <a:cxnSpLocks/>
+          </p:cNvCxnSpPr>
+          <p:nvPr/>
+        </p:nvCxnSpPr>
+        <p:spPr>
+          <a:xfrm>
+            <a:off x="1082434" y="938268"/>
+            <a:ext cx="1146585" cy="0"/>
+          </a:xfrm>
+          <a:prstGeom prst="line">
+            <a:avLst/>
+          </a:prstGeom>
+        </p:spPr>
+        <p:style>
+          <a:lnRef idx="3">
+            <a:schemeClr val="dk1"/>
+          </a:lnRef>
+          <a:fillRef idx="0">
+            <a:schemeClr val="dk1"/>
+          </a:fillRef>
+          <a:effectRef idx="2">
+            <a:schemeClr val="dk1"/>
+          </a:effectRef>
+          <a:fontRef idx="minor">
+            <a:schemeClr val="tx1"/>
+          </a:fontRef>
+        </p:style>
+      </p:cxnSp>
+      <p:cxnSp>
+        <p:nvCxnSpPr>
+          <p:cNvPr id="51" name="Connecteur droit 50">
+            <a:extLst>
+              <a:ext uri="{FF2B5EF4-FFF2-40B4-BE49-F238E27FC236}">
+                <a16:creationId xmlns:a16="http://schemas.microsoft.com/office/drawing/2014/main" id="{C035BFA6-ECBF-4775-BA81-19D2CA41AA8D}"/>
+              </a:ext>
+            </a:extLst>
+          </p:cNvPr>
+          <p:cNvCxnSpPr>
+            <a:cxnSpLocks/>
+          </p:cNvCxnSpPr>
+          <p:nvPr/>
+        </p:nvCxnSpPr>
+        <p:spPr>
+          <a:xfrm>
+            <a:off x="9402704" y="465201"/>
+            <a:ext cx="344203" cy="495163"/>
+          </a:xfrm>
+          <a:prstGeom prst="line">
+            <a:avLst/>
+          </a:prstGeom>
+        </p:spPr>
+        <p:style>
+          <a:lnRef idx="3">
+            <a:schemeClr val="dk1"/>
+          </a:lnRef>
+          <a:fillRef idx="0">
+            <a:schemeClr val="dk1"/>
+          </a:fillRef>
+          <a:effectRef idx="2">
+            <a:schemeClr val="dk1"/>
+          </a:effectRef>
+          <a:fontRef idx="minor">
+            <a:schemeClr val="tx1"/>
+          </a:fontRef>
+        </p:style>
+      </p:cxnSp>
+      <p:cxnSp>
+        <p:nvCxnSpPr>
+          <p:cNvPr id="52" name="Connecteur droit 51">
+            <a:extLst>
+              <a:ext uri="{FF2B5EF4-FFF2-40B4-BE49-F238E27FC236}">
+                <a16:creationId xmlns:a16="http://schemas.microsoft.com/office/drawing/2014/main" id="{FA310BC7-694B-4984-99A2-61A1F4F6EBF9}"/>
+              </a:ext>
+            </a:extLst>
+          </p:cNvPr>
+          <p:cNvCxnSpPr>
+            <a:cxnSpLocks/>
+          </p:cNvCxnSpPr>
+          <p:nvPr/>
+        </p:nvCxnSpPr>
+        <p:spPr>
+          <a:xfrm flipH="1">
+            <a:off x="11370469" y="448308"/>
+            <a:ext cx="364332" cy="501657"/>
+          </a:xfrm>
+          <a:prstGeom prst="line">
+            <a:avLst/>
+          </a:prstGeom>
+        </p:spPr>
+        <p:style>
+          <a:lnRef idx="3">
+            <a:schemeClr val="dk1"/>
+          </a:lnRef>
+          <a:fillRef idx="0">
+            <a:schemeClr val="dk1"/>
+          </a:fillRef>
+          <a:effectRef idx="2">
+            <a:schemeClr val="dk1"/>
+          </a:effectRef>
+          <a:fontRef idx="minor">
+            <a:schemeClr val="tx1"/>
+          </a:fontRef>
+        </p:style>
+      </p:cxnSp>
+      <p:cxnSp>
+        <p:nvCxnSpPr>
+          <p:cNvPr id="53" name="Connecteur droit 52">
+            <a:extLst>
+              <a:ext uri="{FF2B5EF4-FFF2-40B4-BE49-F238E27FC236}">
+                <a16:creationId xmlns:a16="http://schemas.microsoft.com/office/drawing/2014/main" id="{BE0649BD-EE59-4DDA-960F-95B2572F9F13}"/>
+              </a:ext>
+            </a:extLst>
+          </p:cNvPr>
+          <p:cNvCxnSpPr>
+            <a:cxnSpLocks/>
+          </p:cNvCxnSpPr>
+          <p:nvPr/>
+        </p:nvCxnSpPr>
+        <p:spPr>
+          <a:xfrm>
+            <a:off x="9743203" y="949965"/>
+            <a:ext cx="1627266" cy="0"/>
+          </a:xfrm>
+          <a:prstGeom prst="line">
+            <a:avLst/>
+          </a:prstGeom>
+        </p:spPr>
+        <p:style>
+          <a:lnRef idx="3">
+            <a:schemeClr val="dk1"/>
+          </a:lnRef>
+          <a:fillRef idx="0">
+            <a:schemeClr val="dk1"/>
+          </a:fillRef>
+          <a:effectRef idx="2">
+            <a:schemeClr val="dk1"/>
+          </a:effectRef>
+          <a:fontRef idx="minor">
+            <a:schemeClr val="tx1"/>
+          </a:fontRef>
+        </p:style>
+      </p:cxnSp>
+      <p:cxnSp>
+        <p:nvCxnSpPr>
+          <p:cNvPr id="55" name="Connecteur droit 54">
+            <a:extLst>
+              <a:ext uri="{FF2B5EF4-FFF2-40B4-BE49-F238E27FC236}">
+                <a16:creationId xmlns:a16="http://schemas.microsoft.com/office/drawing/2014/main" id="{52AA9200-DAFA-4EEF-AC13-4C7CE82A59EC}"/>
+              </a:ext>
+            </a:extLst>
+          </p:cNvPr>
+          <p:cNvCxnSpPr>
+            <a:cxnSpLocks/>
+          </p:cNvCxnSpPr>
+          <p:nvPr/>
+        </p:nvCxnSpPr>
+        <p:spPr>
+          <a:xfrm>
+            <a:off x="11715750" y="454801"/>
+            <a:ext cx="476249" cy="10400"/>
+          </a:xfrm>
+          <a:prstGeom prst="line">
+            <a:avLst/>
+          </a:prstGeom>
+        </p:spPr>
+        <p:style>
+          <a:lnRef idx="3">
+            <a:schemeClr val="dk1"/>
+          </a:lnRef>
+          <a:fillRef idx="0">
+            <a:schemeClr val="dk1"/>
+          </a:fillRef>
+          <a:effectRef idx="2">
+            <a:schemeClr val="dk1"/>
+          </a:effectRef>
+          <a:fontRef idx="minor">
+            <a:schemeClr val="tx1"/>
+          </a:fontRef>
+        </p:style>
+      </p:cxnSp>
+      <p:cxnSp>
+        <p:nvCxnSpPr>
+          <p:cNvPr id="23" name="Connecteur droit 22">
+            <a:extLst>
+              <a:ext uri="{FF2B5EF4-FFF2-40B4-BE49-F238E27FC236}">
+                <a16:creationId xmlns:a16="http://schemas.microsoft.com/office/drawing/2014/main" id="{BCB092C8-0080-4E56-957E-0046D4C83988}"/>
+              </a:ext>
+            </a:extLst>
+          </p:cNvPr>
+          <p:cNvCxnSpPr>
+            <a:cxnSpLocks/>
+          </p:cNvCxnSpPr>
+          <p:nvPr/>
+        </p:nvCxnSpPr>
+        <p:spPr>
+          <a:xfrm flipH="1">
+            <a:off x="2216372" y="446356"/>
+            <a:ext cx="364332" cy="501657"/>
+          </a:xfrm>
+          <a:prstGeom prst="line">
+            <a:avLst/>
+          </a:prstGeom>
+        </p:spPr>
+        <p:style>
+          <a:lnRef idx="3">
+            <a:schemeClr val="dk1"/>
+          </a:lnRef>
+          <a:fillRef idx="0">
+            <a:schemeClr val="dk1"/>
+          </a:fillRef>
+          <a:effectRef idx="2">
+            <a:schemeClr val="dk1"/>
+          </a:effectRef>
+          <a:fontRef idx="minor">
+            <a:schemeClr val="tx1"/>
+          </a:fontRef>
+        </p:style>
+      </p:cxnSp>
+      <p:sp>
+        <p:nvSpPr>
+          <p:cNvPr id="2" name="ZoneTexte 1">
+            <a:extLst>
+              <a:ext uri="{FF2B5EF4-FFF2-40B4-BE49-F238E27FC236}">
+                <a16:creationId xmlns:a16="http://schemas.microsoft.com/office/drawing/2014/main" id="{674DD8AD-F715-49A9-B7B1-4A7DF94CD2F7}"/>
+              </a:ext>
+            </a:extLst>
+          </p:cNvPr>
+          <p:cNvSpPr txBox="1"/>
+          <p:nvPr/>
+        </p:nvSpPr>
+        <p:spPr>
+          <a:xfrm>
+            <a:off x="3175406" y="962653"/>
+            <a:ext cx="5632597" cy="769441"/>
+          </a:xfrm>
+          <a:prstGeom prst="rect">
+            <a:avLst/>
+          </a:prstGeom>
+          <a:noFill/>
+        </p:spPr>
+        <p:txBody>
+          <a:bodyPr wrap="square" rtlCol="0">
+            <a:spAutoFit/>
+          </a:bodyPr>
+          <a:lstStyle/>
+          <a:p>
+            <a:pPr algn="ctr"/>
+            <a:r>
+              <a:rPr lang="fr-FR" sz="4400" dirty="0">
+                <a:latin typeface="Berlin Sans FB" panose="020E0602020502020306" pitchFamily="34" charset="0"/>
+              </a:rPr>
+              <a:t>Tests unitaires</a:t>
+            </a:r>
+          </a:p>
+        </p:txBody>
+      </p:sp>
+      <p:pic>
+        <p:nvPicPr>
+          <p:cNvPr id="4" name="Image 3">
+            <a:extLst>
+              <a:ext uri="{FF2B5EF4-FFF2-40B4-BE49-F238E27FC236}">
+                <a16:creationId xmlns:a16="http://schemas.microsoft.com/office/drawing/2014/main" id="{8B29CFB6-2644-4529-935B-F02BB338FB4A}"/>
+              </a:ext>
+            </a:extLst>
+          </p:cNvPr>
+          <p:cNvPicPr>
+            <a:picLocks noChangeAspect="1"/>
+          </p:cNvPicPr>
+          <p:nvPr/>
+        </p:nvPicPr>
+        <p:blipFill>
+          <a:blip r:embed="rId4">
+            <a:extLst>
+              <a:ext uri="{28A0092B-C50C-407E-A947-70E740481C1C}">
+                <a14:useLocalDpi xmlns:a14="http://schemas.microsoft.com/office/drawing/2010/main" val="0"/>
+              </a:ext>
+            </a:extLst>
+          </a:blip>
+          <a:stretch>
+            <a:fillRect/>
+          </a:stretch>
+        </p:blipFill>
+        <p:spPr>
+          <a:xfrm>
+            <a:off x="1809152" y="2787566"/>
+            <a:ext cx="9561317" cy="1828964"/>
+          </a:xfrm>
+          <a:prstGeom prst="rect">
+            <a:avLst/>
+          </a:prstGeom>
+        </p:spPr>
+      </p:pic>
+    </p:spTree>
+    <p:extLst>
+      <p:ext uri="{BB962C8B-B14F-4D97-AF65-F5344CB8AC3E}">
+        <p14:creationId xmlns:p14="http://schemas.microsoft.com/office/powerpoint/2010/main" val="2455726745"/>
+      </p:ext>
+    </p:extLst>
+  </p:cSld>
+  <p:clrMapOvr>
+    <a:masterClrMapping/>
+  </p:clrMapOvr>
+  <mc:AlternateContent xmlns:mc="http://schemas.openxmlformats.org/markup-compatibility/2006" xmlns:p14="http://schemas.microsoft.com/office/powerpoint/2010/main">
+    <mc:Choice Requires="p14">
+      <p:transition spd="slow">
+        <p14:reveal/>
+      </p:transition>
+    </mc:Choice>
+    <mc:Fallback xmlns="">
+      <p:transition spd="slow">
+        <p:fade/>
+      </p:transition>
+    </mc:Fallback>
+  </mc:AlternateContent>
+</p:sld>
+</file>
+
 <file path=ppt/slides/slide2.xml><?xml version="1.0" encoding="utf-8"?>
 <p:sld xmlns:a="http://schemas.openxmlformats.org/drawingml/2006/main" xmlns:r="http://schemas.openxmlformats.org/officeDocument/2006/relationships" xmlns:p="http://schemas.openxmlformats.org/presentationml/2006/main">
   <p:cSld>
@@ -9167,12 +9698,47 @@
           </a:p>
         </p:txBody>
       </p:sp>
+      <p:sp>
+        <p:nvSpPr>
+          <p:cNvPr id="22" name="ZoneTexte 21">
+            <a:extLst>
+              <a:ext uri="{FF2B5EF4-FFF2-40B4-BE49-F238E27FC236}">
+                <a16:creationId xmlns:a16="http://schemas.microsoft.com/office/drawing/2014/main" id="{0C578D0C-5BBC-4C8E-AD9C-246D1F924D5F}"/>
+              </a:ext>
+            </a:extLst>
+          </p:cNvPr>
+          <p:cNvSpPr txBox="1"/>
+          <p:nvPr/>
+        </p:nvSpPr>
+        <p:spPr>
+          <a:xfrm>
+            <a:off x="4829023" y="5759842"/>
+            <a:ext cx="2317879" cy="369332"/>
+          </a:xfrm>
+          <a:prstGeom prst="rect">
+            <a:avLst/>
+          </a:prstGeom>
+          <a:noFill/>
+        </p:spPr>
+        <p:txBody>
+          <a:bodyPr wrap="none" rtlCol="0">
+            <a:spAutoFit/>
+          </a:bodyPr>
+          <a:lstStyle/>
+          <a:p>
+            <a:r>
+              <a:rPr lang="fr-FR" dirty="0"/>
+              <a:t>Arduino à la Raspberry</a:t>
+            </a:r>
+          </a:p>
+        </p:txBody>
+      </p:sp>
       <p:pic>
         <p:nvPicPr>
-          <p:cNvPr id="5" name="Image 4">
-            <a:extLst>
-              <a:ext uri="{FF2B5EF4-FFF2-40B4-BE49-F238E27FC236}">
-                <a16:creationId xmlns:a16="http://schemas.microsoft.com/office/drawing/2014/main" id="{D2A4EBF9-FE65-4E62-980E-909CBD14EF7B}"/>
+          <p:cNvPr id="4" name="Image 3" descr="Une image contenant équipement électronique, circuit&#10;&#10;Description générée avec un niveau de confiance très élevé">
+            <a:extLst>
+              <a:ext uri="{FF2B5EF4-FFF2-40B4-BE49-F238E27FC236}">
+                <a16:creationId xmlns:a16="http://schemas.microsoft.com/office/drawing/2014/main" id="{D4284139-EC01-45FA-BD33-C83751EEB60C}"/>
               </a:ext>
             </a:extLst>
           </p:cNvPr>
@@ -9195,120 +9761,14 @@
         </p:blipFill>
         <p:spPr>
           <a:xfrm>
-            <a:off x="2448797" y="3001718"/>
-            <a:ext cx="2376760" cy="2376760"/>
+            <a:off x="3511441" y="1883004"/>
+            <a:ext cx="5169117" cy="3876838"/>
           </a:xfrm>
           <a:prstGeom prst="rect">
             <a:avLst/>
           </a:prstGeom>
         </p:spPr>
       </p:pic>
-      <p:pic>
-        <p:nvPicPr>
-          <p:cNvPr id="7" name="Image 6">
-            <a:extLst>
-              <a:ext uri="{FF2B5EF4-FFF2-40B4-BE49-F238E27FC236}">
-                <a16:creationId xmlns:a16="http://schemas.microsoft.com/office/drawing/2014/main" id="{B1EC91B5-2165-45D3-A98E-392E1C744198}"/>
-              </a:ext>
-            </a:extLst>
-          </p:cNvPr>
-          <p:cNvPicPr>
-            <a:picLocks noChangeAspect="1"/>
-          </p:cNvPicPr>
-          <p:nvPr/>
-        </p:nvPicPr>
-        <p:blipFill>
-          <a:blip r:embed="rId5">
-            <a:extLst>
-              <a:ext uri="{28A0092B-C50C-407E-A947-70E740481C1C}">
-                <a14:useLocalDpi xmlns:a14="http://schemas.microsoft.com/office/drawing/2010/main" val="0"/>
-              </a:ext>
-            </a:extLst>
-          </a:blip>
-          <a:stretch>
-            <a:fillRect/>
-          </a:stretch>
-        </p:blipFill>
-        <p:spPr>
-          <a:xfrm>
-            <a:off x="7366443" y="3001718"/>
-            <a:ext cx="2376760" cy="2376760"/>
-          </a:xfrm>
-          <a:prstGeom prst="rect">
-            <a:avLst/>
-          </a:prstGeom>
-        </p:spPr>
-      </p:pic>
-      <p:sp>
-        <p:nvSpPr>
-          <p:cNvPr id="22" name="ZoneTexte 21">
-            <a:extLst>
-              <a:ext uri="{FF2B5EF4-FFF2-40B4-BE49-F238E27FC236}">
-                <a16:creationId xmlns:a16="http://schemas.microsoft.com/office/drawing/2014/main" id="{0C578D0C-5BBC-4C8E-AD9C-246D1F924D5F}"/>
-              </a:ext>
-            </a:extLst>
-          </p:cNvPr>
-          <p:cNvSpPr txBox="1"/>
-          <p:nvPr/>
-        </p:nvSpPr>
-        <p:spPr>
-          <a:xfrm>
-            <a:off x="2478237" y="5378478"/>
-            <a:ext cx="2317879" cy="369332"/>
-          </a:xfrm>
-          <a:prstGeom prst="rect">
-            <a:avLst/>
-          </a:prstGeom>
-          <a:noFill/>
-        </p:spPr>
-        <p:txBody>
-          <a:bodyPr wrap="none" rtlCol="0">
-            <a:spAutoFit/>
-          </a:bodyPr>
-          <a:lstStyle/>
-          <a:p>
-            <a:r>
-              <a:rPr lang="fr-FR" dirty="0"/>
-              <a:t>Arduino à la Raspberry</a:t>
-            </a:r>
-          </a:p>
-        </p:txBody>
-      </p:sp>
-      <p:sp>
-        <p:nvSpPr>
-          <p:cNvPr id="24" name="ZoneTexte 23">
-            <a:extLst>
-              <a:ext uri="{FF2B5EF4-FFF2-40B4-BE49-F238E27FC236}">
-                <a16:creationId xmlns:a16="http://schemas.microsoft.com/office/drawing/2014/main" id="{53A93761-B023-42A8-B7C2-06967AFDA4E0}"/>
-              </a:ext>
-            </a:extLst>
-          </p:cNvPr>
-          <p:cNvSpPr txBox="1"/>
-          <p:nvPr/>
-        </p:nvSpPr>
-        <p:spPr>
-          <a:xfrm>
-            <a:off x="7722704" y="5378478"/>
-            <a:ext cx="1664238" cy="369332"/>
-          </a:xfrm>
-          <a:prstGeom prst="rect">
-            <a:avLst/>
-          </a:prstGeom>
-          <a:noFill/>
-        </p:spPr>
-        <p:txBody>
-          <a:bodyPr wrap="none" rtlCol="0">
-            <a:spAutoFit/>
-          </a:bodyPr>
-          <a:lstStyle/>
-          <a:p>
-            <a:r>
-              <a:rPr lang="fr-FR" dirty="0"/>
-              <a:t>Boucle 4-20 mA</a:t>
-            </a:r>
-          </a:p>
-        </p:txBody>
-      </p:sp>
     </p:spTree>
     <p:extLst>
       <p:ext uri="{BB962C8B-B14F-4D97-AF65-F5344CB8AC3E}">
@@ -9765,50 +10225,12 @@
           </a:fontRef>
         </p:style>
       </p:cxnSp>
-      <p:sp>
-        <p:nvSpPr>
-          <p:cNvPr id="2" name="ZoneTexte 1">
-            <a:extLst>
-              <a:ext uri="{FF2B5EF4-FFF2-40B4-BE49-F238E27FC236}">
-                <a16:creationId xmlns:a16="http://schemas.microsoft.com/office/drawing/2014/main" id="{674DD8AD-F715-49A9-B7B1-4A7DF94CD2F7}"/>
-              </a:ext>
-            </a:extLst>
-          </p:cNvPr>
-          <p:cNvSpPr txBox="1"/>
-          <p:nvPr/>
-        </p:nvSpPr>
-        <p:spPr>
-          <a:xfrm>
-            <a:off x="3175406" y="962653"/>
-            <a:ext cx="5632597" cy="1446550"/>
-          </a:xfrm>
-          <a:prstGeom prst="rect">
-            <a:avLst/>
-          </a:prstGeom>
-          <a:noFill/>
-        </p:spPr>
-        <p:txBody>
-          <a:bodyPr wrap="square" rtlCol="0">
-            <a:spAutoFit/>
-          </a:bodyPr>
-          <a:lstStyle/>
-          <a:p>
-            <a:pPr algn="ctr"/>
-            <a:r>
-              <a:rPr lang="fr-FR" sz="4400" dirty="0">
-                <a:latin typeface="Berlin Sans FB" panose="020E0602020502020306" pitchFamily="34" charset="0"/>
-              </a:rPr>
-              <a:t>Chaîne de développement</a:t>
-            </a:r>
-          </a:p>
-        </p:txBody>
-      </p:sp>
       <p:pic>
         <p:nvPicPr>
-          <p:cNvPr id="4" name="Image 3">
-            <a:extLst>
-              <a:ext uri="{FF2B5EF4-FFF2-40B4-BE49-F238E27FC236}">
-                <a16:creationId xmlns:a16="http://schemas.microsoft.com/office/drawing/2014/main" id="{5E5F945A-5792-46F7-9274-40BF7DB277B1}"/>
+          <p:cNvPr id="4" name="Image 3" descr="Une image contenant capture d’écran&#10;&#10;Description générée avec un niveau de confiance très élevé">
+            <a:extLst>
+              <a:ext uri="{FF2B5EF4-FFF2-40B4-BE49-F238E27FC236}">
+                <a16:creationId xmlns:a16="http://schemas.microsoft.com/office/drawing/2014/main" id="{769F96F7-0C9A-4C12-8DD2-B1BE1D83ECF0}"/>
               </a:ext>
             </a:extLst>
           </p:cNvPr>
@@ -9831,18 +10253,89 @@
         </p:blipFill>
         <p:spPr>
           <a:xfrm>
-            <a:off x="2669750" y="2582303"/>
-            <a:ext cx="6636425" cy="3732989"/>
+            <a:off x="196023" y="3335673"/>
+            <a:ext cx="5791940" cy="1695202"/>
           </a:xfrm>
           <a:prstGeom prst="rect">
             <a:avLst/>
           </a:prstGeom>
         </p:spPr>
       </p:pic>
+      <p:pic>
+        <p:nvPicPr>
+          <p:cNvPr id="9" name="Image 8">
+            <a:extLst>
+              <a:ext uri="{FF2B5EF4-FFF2-40B4-BE49-F238E27FC236}">
+                <a16:creationId xmlns:a16="http://schemas.microsoft.com/office/drawing/2014/main" id="{B01860E6-AD2D-4E94-AD8B-C2861A3B35DB}"/>
+              </a:ext>
+            </a:extLst>
+          </p:cNvPr>
+          <p:cNvPicPr>
+            <a:picLocks noChangeAspect="1"/>
+          </p:cNvPicPr>
+          <p:nvPr/>
+        </p:nvPicPr>
+        <p:blipFill>
+          <a:blip r:embed="rId5">
+            <a:extLst>
+              <a:ext uri="{28A0092B-C50C-407E-A947-70E740481C1C}">
+                <a14:useLocalDpi xmlns:a14="http://schemas.microsoft.com/office/drawing/2010/main" val="0"/>
+              </a:ext>
+            </a:extLst>
+          </a:blip>
+          <a:stretch>
+            <a:fillRect/>
+          </a:stretch>
+        </p:blipFill>
+        <p:spPr>
+          <a:xfrm>
+            <a:off x="5987963" y="1973749"/>
+            <a:ext cx="5892067" cy="4419050"/>
+          </a:xfrm>
+          <a:prstGeom prst="rect">
+            <a:avLst/>
+          </a:prstGeom>
+        </p:spPr>
+      </p:pic>
+      <p:sp>
+        <p:nvSpPr>
+          <p:cNvPr id="25" name="ZoneTexte 24">
+            <a:extLst>
+              <a:ext uri="{FF2B5EF4-FFF2-40B4-BE49-F238E27FC236}">
+                <a16:creationId xmlns:a16="http://schemas.microsoft.com/office/drawing/2014/main" id="{5945C559-2AC8-4826-8DCF-28E5BB387030}"/>
+              </a:ext>
+            </a:extLst>
+          </p:cNvPr>
+          <p:cNvSpPr txBox="1"/>
+          <p:nvPr/>
+        </p:nvSpPr>
+        <p:spPr>
+          <a:xfrm>
+            <a:off x="3670084" y="2027401"/>
+            <a:ext cx="1611339" cy="369332"/>
+          </a:xfrm>
+          <a:prstGeom prst="rect">
+            <a:avLst/>
+          </a:prstGeom>
+          <a:noFill/>
+        </p:spPr>
+        <p:txBody>
+          <a:bodyPr wrap="none" rtlCol="0">
+            <a:spAutoFit/>
+          </a:bodyPr>
+          <a:lstStyle/>
+          <a:p>
+            <a:r>
+              <a:rPr lang="fr-FR" dirty="0"/>
+              <a:t>Boucle 4-20mA</a:t>
+            </a:r>
+          </a:p>
+        </p:txBody>
+      </p:sp>
     </p:spTree>
     <p:extLst>
       <p:ext uri="{BB962C8B-B14F-4D97-AF65-F5344CB8AC3E}">
-        <p14:creationId xmlns:p14="http://schemas.microsoft.com/office/powerpoint/2010/main" val="414690252"/>
+        <p14:creationId xmlns:p14="http://schemas.microsoft.com/office/powerpoint/2010/main" val="1494275456"/>
       </p:ext>
     </p:extLst>
   </p:cSld>
@@ -10310,7 +10803,7 @@
         <p:spPr>
           <a:xfrm>
             <a:off x="3175406" y="962653"/>
-            <a:ext cx="5632597" cy="769441"/>
+            <a:ext cx="5632597" cy="1446550"/>
           </a:xfrm>
           <a:prstGeom prst="rect">
             <a:avLst/>
@@ -10328,7 +10821,7 @@
               <a:rPr lang="fr-FR" sz="4400" dirty="0">
                 <a:latin typeface="Berlin Sans FB" panose="020E0602020502020306" pitchFamily="34" charset="0"/>
               </a:rPr>
-              <a:t>Tests unitaires</a:t>
+              <a:t>Chaîne de développement</a:t>
             </a:r>
           </a:p>
         </p:txBody>
@@ -10338,7 +10831,7 @@
           <p:cNvPr id="4" name="Image 3">
             <a:extLst>
               <a:ext uri="{FF2B5EF4-FFF2-40B4-BE49-F238E27FC236}">
-                <a16:creationId xmlns:a16="http://schemas.microsoft.com/office/drawing/2014/main" id="{8B29CFB6-2644-4529-935B-F02BB338FB4A}"/>
+                <a16:creationId xmlns:a16="http://schemas.microsoft.com/office/drawing/2014/main" id="{5E5F945A-5792-46F7-9274-40BF7DB277B1}"/>
               </a:ext>
             </a:extLst>
           </p:cNvPr>
@@ -10361,8 +10854,8 @@
         </p:blipFill>
         <p:spPr>
           <a:xfrm>
-            <a:off x="1809152" y="2787566"/>
-            <a:ext cx="9561317" cy="1828964"/>
+            <a:off x="2669750" y="2582303"/>
+            <a:ext cx="6636425" cy="3732989"/>
           </a:xfrm>
           <a:prstGeom prst="rect">
             <a:avLst/>
@@ -10372,7 +10865,7 @@
     </p:spTree>
     <p:extLst>
       <p:ext uri="{BB962C8B-B14F-4D97-AF65-F5344CB8AC3E}">
-        <p14:creationId xmlns:p14="http://schemas.microsoft.com/office/powerpoint/2010/main" val="2455726745"/>
+        <p14:creationId xmlns:p14="http://schemas.microsoft.com/office/powerpoint/2010/main" val="414690252"/>
       </p:ext>
     </p:extLst>
   </p:cSld>

--- a/oral_projet/revue_3/diaporama_revue_3_willy.pptx
+++ b/oral_projet/revue_3/diaporama_revue_3_willy.pptx
@@ -5002,10 +5002,10 @@
       </p:sp>
       <p:pic>
         <p:nvPicPr>
-          <p:cNvPr id="4" name="Image 3">
-            <a:extLst>
-              <a:ext uri="{FF2B5EF4-FFF2-40B4-BE49-F238E27FC236}">
-                <a16:creationId xmlns:a16="http://schemas.microsoft.com/office/drawing/2014/main" id="{8B29CFB6-2644-4529-935B-F02BB338FB4A}"/>
+          <p:cNvPr id="5" name="Image 4">
+            <a:extLst>
+              <a:ext uri="{FF2B5EF4-FFF2-40B4-BE49-F238E27FC236}">
+                <a16:creationId xmlns:a16="http://schemas.microsoft.com/office/drawing/2014/main" id="{BFF71003-60C3-4D17-AFC7-FAAF38AA39E9}"/>
               </a:ext>
             </a:extLst>
           </p:cNvPr>
@@ -5028,8 +5028,8 @@
         </p:blipFill>
         <p:spPr>
           <a:xfrm>
-            <a:off x="1809152" y="2787566"/>
-            <a:ext cx="9561317" cy="1828964"/>
+            <a:off x="2164161" y="2800350"/>
+            <a:ext cx="7863677" cy="1984714"/>
           </a:xfrm>
           <a:prstGeom prst="rect">
             <a:avLst/>
@@ -10311,7 +10311,7 @@
         </p:nvSpPr>
         <p:spPr>
           <a:xfrm>
-            <a:off x="3670084" y="2027401"/>
+            <a:off x="2216372" y="2043357"/>
             <a:ext cx="1611339" cy="369332"/>
           </a:xfrm>
           <a:prstGeom prst="rect">

--- a/oral_projet/revue_3/diaporama_revue_3_willy.pptx
+++ b/oral_projet/revue_3/diaporama_revue_3_willy.pptx
@@ -10227,10 +10227,10 @@
       </p:cxnSp>
       <p:pic>
         <p:nvPicPr>
-          <p:cNvPr id="4" name="Image 3" descr="Une image contenant capture d’écran&#10;&#10;Description générée avec un niveau de confiance très élevé">
-            <a:extLst>
-              <a:ext uri="{FF2B5EF4-FFF2-40B4-BE49-F238E27FC236}">
-                <a16:creationId xmlns:a16="http://schemas.microsoft.com/office/drawing/2014/main" id="{769F96F7-0C9A-4C12-8DD2-B1BE1D83ECF0}"/>
+          <p:cNvPr id="9" name="Image 8">
+            <a:extLst>
+              <a:ext uri="{FF2B5EF4-FFF2-40B4-BE49-F238E27FC236}">
+                <a16:creationId xmlns:a16="http://schemas.microsoft.com/office/drawing/2014/main" id="{B01860E6-AD2D-4E94-AD8B-C2861A3B35DB}"/>
               </a:ext>
             </a:extLst>
           </p:cNvPr>
@@ -10253,20 +10253,55 @@
         </p:blipFill>
         <p:spPr>
           <a:xfrm>
-            <a:off x="196023" y="3335673"/>
-            <a:ext cx="5791940" cy="1695202"/>
+            <a:off x="5987963" y="1973749"/>
+            <a:ext cx="5892067" cy="4419050"/>
           </a:xfrm>
           <a:prstGeom prst="rect">
             <a:avLst/>
           </a:prstGeom>
         </p:spPr>
       </p:pic>
+      <p:sp>
+        <p:nvSpPr>
+          <p:cNvPr id="25" name="ZoneTexte 24">
+            <a:extLst>
+              <a:ext uri="{FF2B5EF4-FFF2-40B4-BE49-F238E27FC236}">
+                <a16:creationId xmlns:a16="http://schemas.microsoft.com/office/drawing/2014/main" id="{5945C559-2AC8-4826-8DCF-28E5BB387030}"/>
+              </a:ext>
+            </a:extLst>
+          </p:cNvPr>
+          <p:cNvSpPr txBox="1"/>
+          <p:nvPr/>
+        </p:nvSpPr>
+        <p:spPr>
+          <a:xfrm>
+            <a:off x="2216372" y="2043357"/>
+            <a:ext cx="1611339" cy="369332"/>
+          </a:xfrm>
+          <a:prstGeom prst="rect">
+            <a:avLst/>
+          </a:prstGeom>
+          <a:noFill/>
+        </p:spPr>
+        <p:txBody>
+          <a:bodyPr wrap="none" rtlCol="0">
+            <a:spAutoFit/>
+          </a:bodyPr>
+          <a:lstStyle/>
+          <a:p>
+            <a:r>
+              <a:rPr lang="fr-FR" dirty="0"/>
+              <a:t>Boucle 4-20mA</a:t>
+            </a:r>
+          </a:p>
+        </p:txBody>
+      </p:sp>
       <p:pic>
         <p:nvPicPr>
-          <p:cNvPr id="9" name="Image 8">
-            <a:extLst>
-              <a:ext uri="{FF2B5EF4-FFF2-40B4-BE49-F238E27FC236}">
-                <a16:creationId xmlns:a16="http://schemas.microsoft.com/office/drawing/2014/main" id="{B01860E6-AD2D-4E94-AD8B-C2861A3B35DB}"/>
+          <p:cNvPr id="3" name="Image 2">
+            <a:extLst>
+              <a:ext uri="{FF2B5EF4-FFF2-40B4-BE49-F238E27FC236}">
+                <a16:creationId xmlns:a16="http://schemas.microsoft.com/office/drawing/2014/main" id="{BF86B05D-D7F7-41FB-9885-3A0E035A00D4}"/>
               </a:ext>
             </a:extLst>
           </p:cNvPr>
@@ -10289,49 +10324,14 @@
         </p:blipFill>
         <p:spPr>
           <a:xfrm>
-            <a:off x="5987963" y="1973749"/>
-            <a:ext cx="5892067" cy="4419050"/>
+            <a:off x="608491" y="3509924"/>
+            <a:ext cx="5600700" cy="1457325"/>
           </a:xfrm>
           <a:prstGeom prst="rect">
             <a:avLst/>
           </a:prstGeom>
         </p:spPr>
       </p:pic>
-      <p:sp>
-        <p:nvSpPr>
-          <p:cNvPr id="25" name="ZoneTexte 24">
-            <a:extLst>
-              <a:ext uri="{FF2B5EF4-FFF2-40B4-BE49-F238E27FC236}">
-                <a16:creationId xmlns:a16="http://schemas.microsoft.com/office/drawing/2014/main" id="{5945C559-2AC8-4826-8DCF-28E5BB387030}"/>
-              </a:ext>
-            </a:extLst>
-          </p:cNvPr>
-          <p:cNvSpPr txBox="1"/>
-          <p:nvPr/>
-        </p:nvSpPr>
-        <p:spPr>
-          <a:xfrm>
-            <a:off x="2216372" y="2043357"/>
-            <a:ext cx="1611339" cy="369332"/>
-          </a:xfrm>
-          <a:prstGeom prst="rect">
-            <a:avLst/>
-          </a:prstGeom>
-          <a:noFill/>
-        </p:spPr>
-        <p:txBody>
-          <a:bodyPr wrap="none" rtlCol="0">
-            <a:spAutoFit/>
-          </a:bodyPr>
-          <a:lstStyle/>
-          <a:p>
-            <a:r>
-              <a:rPr lang="fr-FR" dirty="0"/>
-              <a:t>Boucle 4-20mA</a:t>
-            </a:r>
-          </a:p>
-        </p:txBody>
-      </p:sp>
     </p:spTree>
     <p:extLst>
       <p:ext uri="{BB962C8B-B14F-4D97-AF65-F5344CB8AC3E}">
